--- a/Scikit learn.pptx
+++ b/Scikit learn.pptx
@@ -210,7 +210,7 @@
           <a:p>
             <a:fld id="{41E0CAEE-CC12-4B6A-A4FE-ABB9851BDFA7}" type="datetimeFigureOut">
               <a:rPr lang="en-US" smtClean="0"/>
-              <a:t>3/24/2020</a:t>
+              <a:t>5/14/2020</a:t>
             </a:fld>
             <a:endParaRPr lang="en-US"/>
           </a:p>
@@ -532,11 +532,7 @@
             </a:r>
             <a:r>
               <a:rPr lang="it-IT" baseline="0" smtClean="0"/>
-              <a:t>tolerance</a:t>
-            </a:r>
-            <a:r>
-              <a:rPr lang="it-IT" baseline="0" smtClean="0"/>
-              <a:t>) - Prevent overfitting</a:t>
+              <a:t>tolerance) - Prevent overfitting</a:t>
             </a:r>
             <a:endParaRPr lang="it-IT" dirty="0" smtClean="0"/>
           </a:p>
@@ -726,7 +722,7 @@
           <a:p>
             <a:fld id="{63A1C593-65D0-4073-BCC9-577B9352EA97}" type="datetimeFigureOut">
               <a:rPr lang="en-US" smtClean="0"/>
-              <a:t>3/24/2020</a:t>
+              <a:t>5/14/2020</a:t>
             </a:fld>
             <a:endParaRPr lang="en-US"/>
           </a:p>
@@ -896,7 +892,7 @@
           <a:p>
             <a:fld id="{63A1C593-65D0-4073-BCC9-577B9352EA97}" type="datetimeFigureOut">
               <a:rPr lang="en-US" smtClean="0"/>
-              <a:t>3/24/2020</a:t>
+              <a:t>5/14/2020</a:t>
             </a:fld>
             <a:endParaRPr lang="en-US"/>
           </a:p>
@@ -1076,7 +1072,7 @@
           <a:p>
             <a:fld id="{63A1C593-65D0-4073-BCC9-577B9352EA97}" type="datetimeFigureOut">
               <a:rPr lang="en-US" smtClean="0"/>
-              <a:t>3/24/2020</a:t>
+              <a:t>5/14/2020</a:t>
             </a:fld>
             <a:endParaRPr lang="en-US"/>
           </a:p>
@@ -1246,7 +1242,7 @@
           <a:p>
             <a:fld id="{63A1C593-65D0-4073-BCC9-577B9352EA97}" type="datetimeFigureOut">
               <a:rPr lang="en-US" smtClean="0"/>
-              <a:t>3/24/2020</a:t>
+              <a:t>5/14/2020</a:t>
             </a:fld>
             <a:endParaRPr lang="en-US"/>
           </a:p>
@@ -1492,7 +1488,7 @@
           <a:p>
             <a:fld id="{63A1C593-65D0-4073-BCC9-577B9352EA97}" type="datetimeFigureOut">
               <a:rPr lang="en-US" smtClean="0"/>
-              <a:t>3/24/2020</a:t>
+              <a:t>5/14/2020</a:t>
             </a:fld>
             <a:endParaRPr lang="en-US"/>
           </a:p>
@@ -1724,7 +1720,7 @@
           <a:p>
             <a:fld id="{63A1C593-65D0-4073-BCC9-577B9352EA97}" type="datetimeFigureOut">
               <a:rPr lang="en-US" smtClean="0"/>
-              <a:t>3/24/2020</a:t>
+              <a:t>5/14/2020</a:t>
             </a:fld>
             <a:endParaRPr lang="en-US"/>
           </a:p>
@@ -2091,7 +2087,7 @@
           <a:p>
             <a:fld id="{63A1C593-65D0-4073-BCC9-577B9352EA97}" type="datetimeFigureOut">
               <a:rPr lang="en-US" smtClean="0"/>
-              <a:t>3/24/2020</a:t>
+              <a:t>5/14/2020</a:t>
             </a:fld>
             <a:endParaRPr lang="en-US"/>
           </a:p>
@@ -2209,7 +2205,7 @@
           <a:p>
             <a:fld id="{63A1C593-65D0-4073-BCC9-577B9352EA97}" type="datetimeFigureOut">
               <a:rPr lang="en-US" smtClean="0"/>
-              <a:t>3/24/2020</a:t>
+              <a:t>5/14/2020</a:t>
             </a:fld>
             <a:endParaRPr lang="en-US"/>
           </a:p>
@@ -2304,7 +2300,7 @@
           <a:p>
             <a:fld id="{63A1C593-65D0-4073-BCC9-577B9352EA97}" type="datetimeFigureOut">
               <a:rPr lang="en-US" smtClean="0"/>
-              <a:t>3/24/2020</a:t>
+              <a:t>5/14/2020</a:t>
             </a:fld>
             <a:endParaRPr lang="en-US"/>
           </a:p>
@@ -2581,7 +2577,7 @@
           <a:p>
             <a:fld id="{63A1C593-65D0-4073-BCC9-577B9352EA97}" type="datetimeFigureOut">
               <a:rPr lang="en-US" smtClean="0"/>
-              <a:t>3/24/2020</a:t>
+              <a:t>5/14/2020</a:t>
             </a:fld>
             <a:endParaRPr lang="en-US"/>
           </a:p>
@@ -2834,7 +2830,7 @@
           <a:p>
             <a:fld id="{63A1C593-65D0-4073-BCC9-577B9352EA97}" type="datetimeFigureOut">
               <a:rPr lang="en-US" smtClean="0"/>
-              <a:t>3/24/2020</a:t>
+              <a:t>5/14/2020</a:t>
             </a:fld>
             <a:endParaRPr lang="en-US"/>
           </a:p>
@@ -3047,7 +3043,7 @@
           <a:p>
             <a:fld id="{63A1C593-65D0-4073-BCC9-577B9352EA97}" type="datetimeFigureOut">
               <a:rPr lang="en-US" smtClean="0"/>
-              <a:t>3/24/2020</a:t>
+              <a:t>5/14/2020</a:t>
             </a:fld>
             <a:endParaRPr lang="en-US"/>
           </a:p>
